--- a/ppt 16-9/1050.天国在你心里.pptx
+++ b/ppt 16-9/1050.天国在你心里.pptx
@@ -5,7 +5,7 @@
     <p:sldMasterId id="2147483648" r:id="rId1"/>
   </p:sldMasterIdLst>
   <p:sldIdLst>
-    <p:sldId id="487" r:id="rId2"/>
+    <p:sldId id="489" r:id="rId2"/>
   </p:sldIdLst>
   <p:sldSz cx="12192000" cy="6858000"/>
   <p:notesSz cx="6858000" cy="9144000"/>
@@ -129,7 +129,7 @@
           <p:cNvPr id="2" name="标题 1">
             <a:extLst>
               <a:ext uri="{FF2B5EF4-FFF2-40B4-BE49-F238E27FC236}">
-                <a16:creationId xmlns:a16="http://schemas.microsoft.com/office/drawing/2014/main" id="{16EBC00B-C8FD-4D92-D4F2-F4122C86036A}"/>
+                <a16:creationId xmlns:a16="http://schemas.microsoft.com/office/drawing/2014/main" id="{779E3FE7-5E9E-131C-D386-AF3C109C46F3}"/>
               </a:ext>
             </a:extLst>
           </p:cNvPr>
@@ -166,7 +166,7 @@
           <p:cNvPr id="3" name="副标题 2">
             <a:extLst>
               <a:ext uri="{FF2B5EF4-FFF2-40B4-BE49-F238E27FC236}">
-                <a16:creationId xmlns:a16="http://schemas.microsoft.com/office/drawing/2014/main" id="{B3122112-1A01-A09C-9618-09E1F900F8EC}"/>
+                <a16:creationId xmlns:a16="http://schemas.microsoft.com/office/drawing/2014/main" id="{FFACA912-E4EF-7B28-C313-51F2758079C0}"/>
               </a:ext>
             </a:extLst>
           </p:cNvPr>
@@ -236,7 +236,7 @@
           <p:cNvPr id="4" name="日期占位符 3">
             <a:extLst>
               <a:ext uri="{FF2B5EF4-FFF2-40B4-BE49-F238E27FC236}">
-                <a16:creationId xmlns:a16="http://schemas.microsoft.com/office/drawing/2014/main" id="{E2FFA7A4-867E-C343-4920-723E7F50257E}"/>
+                <a16:creationId xmlns:a16="http://schemas.microsoft.com/office/drawing/2014/main" id="{1E218A4A-EF37-659B-4956-DD712C714D1E}"/>
               </a:ext>
             </a:extLst>
           </p:cNvPr>
@@ -252,7 +252,7 @@
           <a:bodyPr/>
           <a:lstStyle/>
           <a:p>
-            <a:fld id="{51F206EC-1A64-4A9C-8D0F-110C9E4DC81F}" type="datetimeFigureOut">
+            <a:fld id="{01DA5AB5-1354-44CD-9E71-544D948D8207}" type="datetimeFigureOut">
               <a:rPr lang="zh-CN" altLang="en-US" smtClean="0"/>
               <a:t>2024/3/10</a:t>
             </a:fld>
@@ -265,7 +265,7 @@
           <p:cNvPr id="5" name="页脚占位符 4">
             <a:extLst>
               <a:ext uri="{FF2B5EF4-FFF2-40B4-BE49-F238E27FC236}">
-                <a16:creationId xmlns:a16="http://schemas.microsoft.com/office/drawing/2014/main" id="{2DFA942F-E91D-01D6-9F4C-19071203F88C}"/>
+                <a16:creationId xmlns:a16="http://schemas.microsoft.com/office/drawing/2014/main" id="{754A221B-A0A1-1DCC-EA43-3AE3EF85D286}"/>
               </a:ext>
             </a:extLst>
           </p:cNvPr>
@@ -290,7 +290,7 @@
           <p:cNvPr id="6" name="灯片编号占位符 5">
             <a:extLst>
               <a:ext uri="{FF2B5EF4-FFF2-40B4-BE49-F238E27FC236}">
-                <a16:creationId xmlns:a16="http://schemas.microsoft.com/office/drawing/2014/main" id="{7D6F70C2-3B07-FDD6-B022-C6AC87004305}"/>
+                <a16:creationId xmlns:a16="http://schemas.microsoft.com/office/drawing/2014/main" id="{3CC6C16A-DA35-337E-AAC0-0F3DBF96F6A3}"/>
               </a:ext>
             </a:extLst>
           </p:cNvPr>
@@ -306,7 +306,7 @@
           <a:bodyPr/>
           <a:lstStyle/>
           <a:p>
-            <a:fld id="{299A1E52-5D04-4BB3-A3BE-C2C06359BA5A}" type="slidenum">
+            <a:fld id="{81A35BBF-5CCF-4F97-AB40-7B29B9850388}" type="slidenum">
               <a:rPr lang="zh-CN" altLang="en-US" smtClean="0"/>
               <a:t>‹#›</a:t>
             </a:fld>
@@ -317,7 +317,7 @@
     </p:spTree>
     <p:extLst>
       <p:ext uri="{BB962C8B-B14F-4D97-AF65-F5344CB8AC3E}">
-        <p14:creationId xmlns:p14="http://schemas.microsoft.com/office/powerpoint/2010/main" val="221890430"/>
+        <p14:creationId xmlns:p14="http://schemas.microsoft.com/office/powerpoint/2010/main" val="2901857881"/>
       </p:ext>
     </p:extLst>
   </p:cSld>
@@ -349,7 +349,7 @@
           <p:cNvPr id="2" name="标题 1">
             <a:extLst>
               <a:ext uri="{FF2B5EF4-FFF2-40B4-BE49-F238E27FC236}">
-                <a16:creationId xmlns:a16="http://schemas.microsoft.com/office/drawing/2014/main" id="{9B3C82F9-3BCD-2F66-88D2-7FDEF1FF1EF4}"/>
+                <a16:creationId xmlns:a16="http://schemas.microsoft.com/office/drawing/2014/main" id="{054C1CB5-5E75-782B-F9D6-9F9578E62C3D}"/>
               </a:ext>
             </a:extLst>
           </p:cNvPr>
@@ -377,7 +377,7 @@
           <p:cNvPr id="3" name="竖排文字占位符 2">
             <a:extLst>
               <a:ext uri="{FF2B5EF4-FFF2-40B4-BE49-F238E27FC236}">
-                <a16:creationId xmlns:a16="http://schemas.microsoft.com/office/drawing/2014/main" id="{5F653D7F-3A7E-F000-51AB-3F1A460461AF}"/>
+                <a16:creationId xmlns:a16="http://schemas.microsoft.com/office/drawing/2014/main" id="{DFF75C9A-DB88-F898-FB02-1B447FE2056B}"/>
               </a:ext>
             </a:extLst>
           </p:cNvPr>
@@ -434,7 +434,7 @@
           <p:cNvPr id="4" name="日期占位符 3">
             <a:extLst>
               <a:ext uri="{FF2B5EF4-FFF2-40B4-BE49-F238E27FC236}">
-                <a16:creationId xmlns:a16="http://schemas.microsoft.com/office/drawing/2014/main" id="{185E7C9C-EA1E-285E-40D6-AC5E5508AAA2}"/>
+                <a16:creationId xmlns:a16="http://schemas.microsoft.com/office/drawing/2014/main" id="{D508778A-6DE7-4677-D007-2AF0BED5819E}"/>
               </a:ext>
             </a:extLst>
           </p:cNvPr>
@@ -450,7 +450,7 @@
           <a:bodyPr/>
           <a:lstStyle/>
           <a:p>
-            <a:fld id="{51F206EC-1A64-4A9C-8D0F-110C9E4DC81F}" type="datetimeFigureOut">
+            <a:fld id="{01DA5AB5-1354-44CD-9E71-544D948D8207}" type="datetimeFigureOut">
               <a:rPr lang="zh-CN" altLang="en-US" smtClean="0"/>
               <a:t>2024/3/10</a:t>
             </a:fld>
@@ -463,7 +463,7 @@
           <p:cNvPr id="5" name="页脚占位符 4">
             <a:extLst>
               <a:ext uri="{FF2B5EF4-FFF2-40B4-BE49-F238E27FC236}">
-                <a16:creationId xmlns:a16="http://schemas.microsoft.com/office/drawing/2014/main" id="{1E6289B2-E7DB-0D1B-E679-3A827040224D}"/>
+                <a16:creationId xmlns:a16="http://schemas.microsoft.com/office/drawing/2014/main" id="{F23C0C6D-CC0F-1344-B25A-8FB53EA34D00}"/>
               </a:ext>
             </a:extLst>
           </p:cNvPr>
@@ -488,7 +488,7 @@
           <p:cNvPr id="6" name="灯片编号占位符 5">
             <a:extLst>
               <a:ext uri="{FF2B5EF4-FFF2-40B4-BE49-F238E27FC236}">
-                <a16:creationId xmlns:a16="http://schemas.microsoft.com/office/drawing/2014/main" id="{7D66390F-1889-177B-3F35-E2894DDB6A0A}"/>
+                <a16:creationId xmlns:a16="http://schemas.microsoft.com/office/drawing/2014/main" id="{C9BD418F-7244-610F-999B-EBAB8450E4C3}"/>
               </a:ext>
             </a:extLst>
           </p:cNvPr>
@@ -504,7 +504,7 @@
           <a:bodyPr/>
           <a:lstStyle/>
           <a:p>
-            <a:fld id="{299A1E52-5D04-4BB3-A3BE-C2C06359BA5A}" type="slidenum">
+            <a:fld id="{81A35BBF-5CCF-4F97-AB40-7B29B9850388}" type="slidenum">
               <a:rPr lang="zh-CN" altLang="en-US" smtClean="0"/>
               <a:t>‹#›</a:t>
             </a:fld>
@@ -515,7 +515,7 @@
     </p:spTree>
     <p:extLst>
       <p:ext uri="{BB962C8B-B14F-4D97-AF65-F5344CB8AC3E}">
-        <p14:creationId xmlns:p14="http://schemas.microsoft.com/office/powerpoint/2010/main" val="2512925762"/>
+        <p14:creationId xmlns:p14="http://schemas.microsoft.com/office/powerpoint/2010/main" val="2885516561"/>
       </p:ext>
     </p:extLst>
   </p:cSld>
@@ -547,7 +547,7 @@
           <p:cNvPr id="2" name="竖排标题 1">
             <a:extLst>
               <a:ext uri="{FF2B5EF4-FFF2-40B4-BE49-F238E27FC236}">
-                <a16:creationId xmlns:a16="http://schemas.microsoft.com/office/drawing/2014/main" id="{4C41CF02-C2E6-34A0-3735-98EC013C6596}"/>
+                <a16:creationId xmlns:a16="http://schemas.microsoft.com/office/drawing/2014/main" id="{829A9190-2BD7-BF14-2CFE-D3300C9584C4}"/>
               </a:ext>
             </a:extLst>
           </p:cNvPr>
@@ -580,7 +580,7 @@
           <p:cNvPr id="3" name="竖排文字占位符 2">
             <a:extLst>
               <a:ext uri="{FF2B5EF4-FFF2-40B4-BE49-F238E27FC236}">
-                <a16:creationId xmlns:a16="http://schemas.microsoft.com/office/drawing/2014/main" id="{17AE297F-01B8-B57D-062A-8E1D4B29D68C}"/>
+                <a16:creationId xmlns:a16="http://schemas.microsoft.com/office/drawing/2014/main" id="{F8535DF7-2373-53C9-08BC-4088C9AB9665}"/>
               </a:ext>
             </a:extLst>
           </p:cNvPr>
@@ -642,7 +642,7 @@
           <p:cNvPr id="4" name="日期占位符 3">
             <a:extLst>
               <a:ext uri="{FF2B5EF4-FFF2-40B4-BE49-F238E27FC236}">
-                <a16:creationId xmlns:a16="http://schemas.microsoft.com/office/drawing/2014/main" id="{FA633489-AAF1-F917-7D5C-26DABB7D2D35}"/>
+                <a16:creationId xmlns:a16="http://schemas.microsoft.com/office/drawing/2014/main" id="{C06E538D-80D8-1C35-6905-082FA83AADCE}"/>
               </a:ext>
             </a:extLst>
           </p:cNvPr>
@@ -658,7 +658,7 @@
           <a:bodyPr/>
           <a:lstStyle/>
           <a:p>
-            <a:fld id="{51F206EC-1A64-4A9C-8D0F-110C9E4DC81F}" type="datetimeFigureOut">
+            <a:fld id="{01DA5AB5-1354-44CD-9E71-544D948D8207}" type="datetimeFigureOut">
               <a:rPr lang="zh-CN" altLang="en-US" smtClean="0"/>
               <a:t>2024/3/10</a:t>
             </a:fld>
@@ -671,7 +671,7 @@
           <p:cNvPr id="5" name="页脚占位符 4">
             <a:extLst>
               <a:ext uri="{FF2B5EF4-FFF2-40B4-BE49-F238E27FC236}">
-                <a16:creationId xmlns:a16="http://schemas.microsoft.com/office/drawing/2014/main" id="{F510B9C5-7D58-BA03-9CF5-A8B74B39145A}"/>
+                <a16:creationId xmlns:a16="http://schemas.microsoft.com/office/drawing/2014/main" id="{D88DFEAA-1C5D-08CC-D1F1-9E7B2903EA09}"/>
               </a:ext>
             </a:extLst>
           </p:cNvPr>
@@ -696,7 +696,7 @@
           <p:cNvPr id="6" name="灯片编号占位符 5">
             <a:extLst>
               <a:ext uri="{FF2B5EF4-FFF2-40B4-BE49-F238E27FC236}">
-                <a16:creationId xmlns:a16="http://schemas.microsoft.com/office/drawing/2014/main" id="{32C325A2-02C8-09EE-CA36-B628539BDC03}"/>
+                <a16:creationId xmlns:a16="http://schemas.microsoft.com/office/drawing/2014/main" id="{80622782-21A0-B7A6-0343-4F9936468EF2}"/>
               </a:ext>
             </a:extLst>
           </p:cNvPr>
@@ -712,7 +712,7 @@
           <a:bodyPr/>
           <a:lstStyle/>
           <a:p>
-            <a:fld id="{299A1E52-5D04-4BB3-A3BE-C2C06359BA5A}" type="slidenum">
+            <a:fld id="{81A35BBF-5CCF-4F97-AB40-7B29B9850388}" type="slidenum">
               <a:rPr lang="zh-CN" altLang="en-US" smtClean="0"/>
               <a:t>‹#›</a:t>
             </a:fld>
@@ -723,7 +723,7 @@
     </p:spTree>
     <p:extLst>
       <p:ext uri="{BB962C8B-B14F-4D97-AF65-F5344CB8AC3E}">
-        <p14:creationId xmlns:p14="http://schemas.microsoft.com/office/powerpoint/2010/main" val="1528651982"/>
+        <p14:creationId xmlns:p14="http://schemas.microsoft.com/office/powerpoint/2010/main" val="284004139"/>
       </p:ext>
     </p:extLst>
   </p:cSld>
@@ -755,7 +755,7 @@
           <p:cNvPr id="2" name="标题 1">
             <a:extLst>
               <a:ext uri="{FF2B5EF4-FFF2-40B4-BE49-F238E27FC236}">
-                <a16:creationId xmlns:a16="http://schemas.microsoft.com/office/drawing/2014/main" id="{DC6B299B-7483-8A1D-A367-3667F9D414D8}"/>
+                <a16:creationId xmlns:a16="http://schemas.microsoft.com/office/drawing/2014/main" id="{133BC555-51C4-46E6-56F9-31028108D9E4}"/>
               </a:ext>
             </a:extLst>
           </p:cNvPr>
@@ -783,7 +783,7 @@
           <p:cNvPr id="3" name="内容占位符 2">
             <a:extLst>
               <a:ext uri="{FF2B5EF4-FFF2-40B4-BE49-F238E27FC236}">
-                <a16:creationId xmlns:a16="http://schemas.microsoft.com/office/drawing/2014/main" id="{0C56DDD5-016C-2CE5-E3DD-0A938C423768}"/>
+                <a16:creationId xmlns:a16="http://schemas.microsoft.com/office/drawing/2014/main" id="{07148081-96F3-F402-AFB4-B5523BD59CCD}"/>
               </a:ext>
             </a:extLst>
           </p:cNvPr>
@@ -840,7 +840,7 @@
           <p:cNvPr id="4" name="日期占位符 3">
             <a:extLst>
               <a:ext uri="{FF2B5EF4-FFF2-40B4-BE49-F238E27FC236}">
-                <a16:creationId xmlns:a16="http://schemas.microsoft.com/office/drawing/2014/main" id="{B45FA3F4-2F8D-B071-F543-910ADB9A85EF}"/>
+                <a16:creationId xmlns:a16="http://schemas.microsoft.com/office/drawing/2014/main" id="{03AC413E-1250-58BC-2BDA-C9E16FAFF62D}"/>
               </a:ext>
             </a:extLst>
           </p:cNvPr>
@@ -856,7 +856,7 @@
           <a:bodyPr/>
           <a:lstStyle/>
           <a:p>
-            <a:fld id="{51F206EC-1A64-4A9C-8D0F-110C9E4DC81F}" type="datetimeFigureOut">
+            <a:fld id="{01DA5AB5-1354-44CD-9E71-544D948D8207}" type="datetimeFigureOut">
               <a:rPr lang="zh-CN" altLang="en-US" smtClean="0"/>
               <a:t>2024/3/10</a:t>
             </a:fld>
@@ -869,7 +869,7 @@
           <p:cNvPr id="5" name="页脚占位符 4">
             <a:extLst>
               <a:ext uri="{FF2B5EF4-FFF2-40B4-BE49-F238E27FC236}">
-                <a16:creationId xmlns:a16="http://schemas.microsoft.com/office/drawing/2014/main" id="{41ABF7DE-900F-CEF0-3EFE-27797C295218}"/>
+                <a16:creationId xmlns:a16="http://schemas.microsoft.com/office/drawing/2014/main" id="{ECE381DC-586D-C431-3A43-387DFAEDC763}"/>
               </a:ext>
             </a:extLst>
           </p:cNvPr>
@@ -894,7 +894,7 @@
           <p:cNvPr id="6" name="灯片编号占位符 5">
             <a:extLst>
               <a:ext uri="{FF2B5EF4-FFF2-40B4-BE49-F238E27FC236}">
-                <a16:creationId xmlns:a16="http://schemas.microsoft.com/office/drawing/2014/main" id="{D9AFE8DB-2E44-37EB-6C5F-3D94835ADCC0}"/>
+                <a16:creationId xmlns:a16="http://schemas.microsoft.com/office/drawing/2014/main" id="{646BD5C4-2349-6446-7DBA-933F9E18B25F}"/>
               </a:ext>
             </a:extLst>
           </p:cNvPr>
@@ -910,7 +910,7 @@
           <a:bodyPr/>
           <a:lstStyle/>
           <a:p>
-            <a:fld id="{299A1E52-5D04-4BB3-A3BE-C2C06359BA5A}" type="slidenum">
+            <a:fld id="{81A35BBF-5CCF-4F97-AB40-7B29B9850388}" type="slidenum">
               <a:rPr lang="zh-CN" altLang="en-US" smtClean="0"/>
               <a:t>‹#›</a:t>
             </a:fld>
@@ -921,7 +921,7 @@
     </p:spTree>
     <p:extLst>
       <p:ext uri="{BB962C8B-B14F-4D97-AF65-F5344CB8AC3E}">
-        <p14:creationId xmlns:p14="http://schemas.microsoft.com/office/powerpoint/2010/main" val="3753383426"/>
+        <p14:creationId xmlns:p14="http://schemas.microsoft.com/office/powerpoint/2010/main" val="3083013284"/>
       </p:ext>
     </p:extLst>
   </p:cSld>
@@ -953,7 +953,7 @@
           <p:cNvPr id="2" name="标题 1">
             <a:extLst>
               <a:ext uri="{FF2B5EF4-FFF2-40B4-BE49-F238E27FC236}">
-                <a16:creationId xmlns:a16="http://schemas.microsoft.com/office/drawing/2014/main" id="{B5B3CD1E-46DB-F807-7634-1E703DA5A5D8}"/>
+                <a16:creationId xmlns:a16="http://schemas.microsoft.com/office/drawing/2014/main" id="{BFE15869-E51B-F688-8981-75809F07CF87}"/>
               </a:ext>
             </a:extLst>
           </p:cNvPr>
@@ -990,7 +990,7 @@
           <p:cNvPr id="3" name="文本占位符 2">
             <a:extLst>
               <a:ext uri="{FF2B5EF4-FFF2-40B4-BE49-F238E27FC236}">
-                <a16:creationId xmlns:a16="http://schemas.microsoft.com/office/drawing/2014/main" id="{41F48FA5-08FD-3B7C-4A42-3F9E417BAC1D}"/>
+                <a16:creationId xmlns:a16="http://schemas.microsoft.com/office/drawing/2014/main" id="{569BDED5-C344-1736-4318-2D66493ECC33}"/>
               </a:ext>
             </a:extLst>
           </p:cNvPr>
@@ -1115,7 +1115,7 @@
           <p:cNvPr id="4" name="日期占位符 3">
             <a:extLst>
               <a:ext uri="{FF2B5EF4-FFF2-40B4-BE49-F238E27FC236}">
-                <a16:creationId xmlns:a16="http://schemas.microsoft.com/office/drawing/2014/main" id="{10BC1C82-4711-08E3-CE7A-F654F8C404E4}"/>
+                <a16:creationId xmlns:a16="http://schemas.microsoft.com/office/drawing/2014/main" id="{98F8E02A-F6F5-25C2-48AC-7C261234EA4C}"/>
               </a:ext>
             </a:extLst>
           </p:cNvPr>
@@ -1131,7 +1131,7 @@
           <a:bodyPr/>
           <a:lstStyle/>
           <a:p>
-            <a:fld id="{51F206EC-1A64-4A9C-8D0F-110C9E4DC81F}" type="datetimeFigureOut">
+            <a:fld id="{01DA5AB5-1354-44CD-9E71-544D948D8207}" type="datetimeFigureOut">
               <a:rPr lang="zh-CN" altLang="en-US" smtClean="0"/>
               <a:t>2024/3/10</a:t>
             </a:fld>
@@ -1144,7 +1144,7 @@
           <p:cNvPr id="5" name="页脚占位符 4">
             <a:extLst>
               <a:ext uri="{FF2B5EF4-FFF2-40B4-BE49-F238E27FC236}">
-                <a16:creationId xmlns:a16="http://schemas.microsoft.com/office/drawing/2014/main" id="{4C01A1B1-99C9-2CF0-EEF5-60123FEED180}"/>
+                <a16:creationId xmlns:a16="http://schemas.microsoft.com/office/drawing/2014/main" id="{6B2E2AAD-9655-C6CD-7E7D-C9EC6ECCD055}"/>
               </a:ext>
             </a:extLst>
           </p:cNvPr>
@@ -1169,7 +1169,7 @@
           <p:cNvPr id="6" name="灯片编号占位符 5">
             <a:extLst>
               <a:ext uri="{FF2B5EF4-FFF2-40B4-BE49-F238E27FC236}">
-                <a16:creationId xmlns:a16="http://schemas.microsoft.com/office/drawing/2014/main" id="{1013C5F9-5CA5-1E53-13CD-F1373FBD5668}"/>
+                <a16:creationId xmlns:a16="http://schemas.microsoft.com/office/drawing/2014/main" id="{C8443F80-B510-989E-5014-FD203AB8931B}"/>
               </a:ext>
             </a:extLst>
           </p:cNvPr>
@@ -1185,7 +1185,7 @@
           <a:bodyPr/>
           <a:lstStyle/>
           <a:p>
-            <a:fld id="{299A1E52-5D04-4BB3-A3BE-C2C06359BA5A}" type="slidenum">
+            <a:fld id="{81A35BBF-5CCF-4F97-AB40-7B29B9850388}" type="slidenum">
               <a:rPr lang="zh-CN" altLang="en-US" smtClean="0"/>
               <a:t>‹#›</a:t>
             </a:fld>
@@ -1196,7 +1196,7 @@
     </p:spTree>
     <p:extLst>
       <p:ext uri="{BB962C8B-B14F-4D97-AF65-F5344CB8AC3E}">
-        <p14:creationId xmlns:p14="http://schemas.microsoft.com/office/powerpoint/2010/main" val="213966852"/>
+        <p14:creationId xmlns:p14="http://schemas.microsoft.com/office/powerpoint/2010/main" val="613512409"/>
       </p:ext>
     </p:extLst>
   </p:cSld>
@@ -1228,7 +1228,7 @@
           <p:cNvPr id="2" name="标题 1">
             <a:extLst>
               <a:ext uri="{FF2B5EF4-FFF2-40B4-BE49-F238E27FC236}">
-                <a16:creationId xmlns:a16="http://schemas.microsoft.com/office/drawing/2014/main" id="{E0C44734-A816-D5DB-2F18-920FF189403B}"/>
+                <a16:creationId xmlns:a16="http://schemas.microsoft.com/office/drawing/2014/main" id="{FEF22A35-4C29-DD42-CEF8-C6FE326FEEF0}"/>
               </a:ext>
             </a:extLst>
           </p:cNvPr>
@@ -1256,7 +1256,7 @@
           <p:cNvPr id="3" name="内容占位符 2">
             <a:extLst>
               <a:ext uri="{FF2B5EF4-FFF2-40B4-BE49-F238E27FC236}">
-                <a16:creationId xmlns:a16="http://schemas.microsoft.com/office/drawing/2014/main" id="{ED3D3115-F881-B2E6-4764-6D43DD388B80}"/>
+                <a16:creationId xmlns:a16="http://schemas.microsoft.com/office/drawing/2014/main" id="{4C8A4EF5-2697-393B-D4D2-450970EB2C46}"/>
               </a:ext>
             </a:extLst>
           </p:cNvPr>
@@ -1318,7 +1318,7 @@
           <p:cNvPr id="4" name="内容占位符 3">
             <a:extLst>
               <a:ext uri="{FF2B5EF4-FFF2-40B4-BE49-F238E27FC236}">
-                <a16:creationId xmlns:a16="http://schemas.microsoft.com/office/drawing/2014/main" id="{12F52DA2-556B-6EB5-685B-9B6F2E3940F1}"/>
+                <a16:creationId xmlns:a16="http://schemas.microsoft.com/office/drawing/2014/main" id="{D8490DC3-FF72-442D-BAAB-80F46FDD1C07}"/>
               </a:ext>
             </a:extLst>
           </p:cNvPr>
@@ -1380,7 +1380,7 @@
           <p:cNvPr id="5" name="日期占位符 4">
             <a:extLst>
               <a:ext uri="{FF2B5EF4-FFF2-40B4-BE49-F238E27FC236}">
-                <a16:creationId xmlns:a16="http://schemas.microsoft.com/office/drawing/2014/main" id="{35A3D638-EDF4-A246-B9E1-24C3AA260EDC}"/>
+                <a16:creationId xmlns:a16="http://schemas.microsoft.com/office/drawing/2014/main" id="{F56E20F5-9373-9291-C6A1-6C16C91E3A5E}"/>
               </a:ext>
             </a:extLst>
           </p:cNvPr>
@@ -1396,7 +1396,7 @@
           <a:bodyPr/>
           <a:lstStyle/>
           <a:p>
-            <a:fld id="{51F206EC-1A64-4A9C-8D0F-110C9E4DC81F}" type="datetimeFigureOut">
+            <a:fld id="{01DA5AB5-1354-44CD-9E71-544D948D8207}" type="datetimeFigureOut">
               <a:rPr lang="zh-CN" altLang="en-US" smtClean="0"/>
               <a:t>2024/3/10</a:t>
             </a:fld>
@@ -1409,7 +1409,7 @@
           <p:cNvPr id="6" name="页脚占位符 5">
             <a:extLst>
               <a:ext uri="{FF2B5EF4-FFF2-40B4-BE49-F238E27FC236}">
-                <a16:creationId xmlns:a16="http://schemas.microsoft.com/office/drawing/2014/main" id="{C6D409AB-8D42-3C26-9D72-C3C0251313A2}"/>
+                <a16:creationId xmlns:a16="http://schemas.microsoft.com/office/drawing/2014/main" id="{2C31C0DD-7A42-E477-EECB-977629041D7A}"/>
               </a:ext>
             </a:extLst>
           </p:cNvPr>
@@ -1434,7 +1434,7 @@
           <p:cNvPr id="7" name="灯片编号占位符 6">
             <a:extLst>
               <a:ext uri="{FF2B5EF4-FFF2-40B4-BE49-F238E27FC236}">
-                <a16:creationId xmlns:a16="http://schemas.microsoft.com/office/drawing/2014/main" id="{46CD8442-9DC9-A83E-7003-A60D42E9493B}"/>
+                <a16:creationId xmlns:a16="http://schemas.microsoft.com/office/drawing/2014/main" id="{C6D7D418-E589-92B4-8DA8-72C0A5F9EE3D}"/>
               </a:ext>
             </a:extLst>
           </p:cNvPr>
@@ -1450,7 +1450,7 @@
           <a:bodyPr/>
           <a:lstStyle/>
           <a:p>
-            <a:fld id="{299A1E52-5D04-4BB3-A3BE-C2C06359BA5A}" type="slidenum">
+            <a:fld id="{81A35BBF-5CCF-4F97-AB40-7B29B9850388}" type="slidenum">
               <a:rPr lang="zh-CN" altLang="en-US" smtClean="0"/>
               <a:t>‹#›</a:t>
             </a:fld>
@@ -1461,7 +1461,7 @@
     </p:spTree>
     <p:extLst>
       <p:ext uri="{BB962C8B-B14F-4D97-AF65-F5344CB8AC3E}">
-        <p14:creationId xmlns:p14="http://schemas.microsoft.com/office/powerpoint/2010/main" val="4100087625"/>
+        <p14:creationId xmlns:p14="http://schemas.microsoft.com/office/powerpoint/2010/main" val="2100593815"/>
       </p:ext>
     </p:extLst>
   </p:cSld>
@@ -1493,7 +1493,7 @@
           <p:cNvPr id="2" name="标题 1">
             <a:extLst>
               <a:ext uri="{FF2B5EF4-FFF2-40B4-BE49-F238E27FC236}">
-                <a16:creationId xmlns:a16="http://schemas.microsoft.com/office/drawing/2014/main" id="{1DA7F44C-4454-C25D-089A-71E9360C34A9}"/>
+                <a16:creationId xmlns:a16="http://schemas.microsoft.com/office/drawing/2014/main" id="{8E14C35E-7827-4662-6F19-5104FD159F97}"/>
               </a:ext>
             </a:extLst>
           </p:cNvPr>
@@ -1526,7 +1526,7 @@
           <p:cNvPr id="3" name="文本占位符 2">
             <a:extLst>
               <a:ext uri="{FF2B5EF4-FFF2-40B4-BE49-F238E27FC236}">
-                <a16:creationId xmlns:a16="http://schemas.microsoft.com/office/drawing/2014/main" id="{124AE6E7-8A55-DCAD-D4C5-1856448F5EC6}"/>
+                <a16:creationId xmlns:a16="http://schemas.microsoft.com/office/drawing/2014/main" id="{EC12C9B9-9D87-7B05-64DD-37BE1272CA95}"/>
               </a:ext>
             </a:extLst>
           </p:cNvPr>
@@ -1597,7 +1597,7 @@
           <p:cNvPr id="4" name="内容占位符 3">
             <a:extLst>
               <a:ext uri="{FF2B5EF4-FFF2-40B4-BE49-F238E27FC236}">
-                <a16:creationId xmlns:a16="http://schemas.microsoft.com/office/drawing/2014/main" id="{D714A464-8E8D-C8F5-EDA3-547D61A9BEEE}"/>
+                <a16:creationId xmlns:a16="http://schemas.microsoft.com/office/drawing/2014/main" id="{8217A322-402A-A3B6-CF7A-0776934A75D5}"/>
               </a:ext>
             </a:extLst>
           </p:cNvPr>
@@ -1659,7 +1659,7 @@
           <p:cNvPr id="5" name="文本占位符 4">
             <a:extLst>
               <a:ext uri="{FF2B5EF4-FFF2-40B4-BE49-F238E27FC236}">
-                <a16:creationId xmlns:a16="http://schemas.microsoft.com/office/drawing/2014/main" id="{22D2D266-EA80-CFC7-0E42-116823B6C879}"/>
+                <a16:creationId xmlns:a16="http://schemas.microsoft.com/office/drawing/2014/main" id="{C470348B-6620-4B8D-D8E6-A53605D7553F}"/>
               </a:ext>
             </a:extLst>
           </p:cNvPr>
@@ -1730,7 +1730,7 @@
           <p:cNvPr id="6" name="内容占位符 5">
             <a:extLst>
               <a:ext uri="{FF2B5EF4-FFF2-40B4-BE49-F238E27FC236}">
-                <a16:creationId xmlns:a16="http://schemas.microsoft.com/office/drawing/2014/main" id="{9F260BFC-4C1E-4266-40F0-4D52E8D87D06}"/>
+                <a16:creationId xmlns:a16="http://schemas.microsoft.com/office/drawing/2014/main" id="{AD380812-56AD-3693-B9D6-40A751DDDBD1}"/>
               </a:ext>
             </a:extLst>
           </p:cNvPr>
@@ -1792,7 +1792,7 @@
           <p:cNvPr id="7" name="日期占位符 6">
             <a:extLst>
               <a:ext uri="{FF2B5EF4-FFF2-40B4-BE49-F238E27FC236}">
-                <a16:creationId xmlns:a16="http://schemas.microsoft.com/office/drawing/2014/main" id="{FDBEF4BF-9AC6-ABE7-07A3-58EA8C24F74D}"/>
+                <a16:creationId xmlns:a16="http://schemas.microsoft.com/office/drawing/2014/main" id="{BF28C30E-AF4A-F093-AA0E-5149955BF547}"/>
               </a:ext>
             </a:extLst>
           </p:cNvPr>
@@ -1808,7 +1808,7 @@
           <a:bodyPr/>
           <a:lstStyle/>
           <a:p>
-            <a:fld id="{51F206EC-1A64-4A9C-8D0F-110C9E4DC81F}" type="datetimeFigureOut">
+            <a:fld id="{01DA5AB5-1354-44CD-9E71-544D948D8207}" type="datetimeFigureOut">
               <a:rPr lang="zh-CN" altLang="en-US" smtClean="0"/>
               <a:t>2024/3/10</a:t>
             </a:fld>
@@ -1821,7 +1821,7 @@
           <p:cNvPr id="8" name="页脚占位符 7">
             <a:extLst>
               <a:ext uri="{FF2B5EF4-FFF2-40B4-BE49-F238E27FC236}">
-                <a16:creationId xmlns:a16="http://schemas.microsoft.com/office/drawing/2014/main" id="{F7769D5B-015C-E2E8-6DE9-FAC8DF786206}"/>
+                <a16:creationId xmlns:a16="http://schemas.microsoft.com/office/drawing/2014/main" id="{609A1D59-A1A4-AEB3-3F56-156DD6D018EE}"/>
               </a:ext>
             </a:extLst>
           </p:cNvPr>
@@ -1846,7 +1846,7 @@
           <p:cNvPr id="9" name="灯片编号占位符 8">
             <a:extLst>
               <a:ext uri="{FF2B5EF4-FFF2-40B4-BE49-F238E27FC236}">
-                <a16:creationId xmlns:a16="http://schemas.microsoft.com/office/drawing/2014/main" id="{4DCBF72F-7E9C-144F-F7AC-BFC73F20FE99}"/>
+                <a16:creationId xmlns:a16="http://schemas.microsoft.com/office/drawing/2014/main" id="{99162B5F-F193-D032-8A41-3F8413689230}"/>
               </a:ext>
             </a:extLst>
           </p:cNvPr>
@@ -1862,7 +1862,7 @@
           <a:bodyPr/>
           <a:lstStyle/>
           <a:p>
-            <a:fld id="{299A1E52-5D04-4BB3-A3BE-C2C06359BA5A}" type="slidenum">
+            <a:fld id="{81A35BBF-5CCF-4F97-AB40-7B29B9850388}" type="slidenum">
               <a:rPr lang="zh-CN" altLang="en-US" smtClean="0"/>
               <a:t>‹#›</a:t>
             </a:fld>
@@ -1873,7 +1873,7 @@
     </p:spTree>
     <p:extLst>
       <p:ext uri="{BB962C8B-B14F-4D97-AF65-F5344CB8AC3E}">
-        <p14:creationId xmlns:p14="http://schemas.microsoft.com/office/powerpoint/2010/main" val="905503401"/>
+        <p14:creationId xmlns:p14="http://schemas.microsoft.com/office/powerpoint/2010/main" val="1412879880"/>
       </p:ext>
     </p:extLst>
   </p:cSld>
@@ -1905,7 +1905,7 @@
           <p:cNvPr id="2" name="标题 1">
             <a:extLst>
               <a:ext uri="{FF2B5EF4-FFF2-40B4-BE49-F238E27FC236}">
-                <a16:creationId xmlns:a16="http://schemas.microsoft.com/office/drawing/2014/main" id="{EDC3A801-B214-B200-8F40-9B8E89EAF9DF}"/>
+                <a16:creationId xmlns:a16="http://schemas.microsoft.com/office/drawing/2014/main" id="{46FBB985-FD4A-6961-3398-69E92508D1CE}"/>
               </a:ext>
             </a:extLst>
           </p:cNvPr>
@@ -1933,7 +1933,7 @@
           <p:cNvPr id="3" name="日期占位符 2">
             <a:extLst>
               <a:ext uri="{FF2B5EF4-FFF2-40B4-BE49-F238E27FC236}">
-                <a16:creationId xmlns:a16="http://schemas.microsoft.com/office/drawing/2014/main" id="{A4922159-BA78-5F9E-3E58-F24C007D2AA3}"/>
+                <a16:creationId xmlns:a16="http://schemas.microsoft.com/office/drawing/2014/main" id="{7F4A30B2-9506-A660-21FF-C40E8FDA64BF}"/>
               </a:ext>
             </a:extLst>
           </p:cNvPr>
@@ -1949,7 +1949,7 @@
           <a:bodyPr/>
           <a:lstStyle/>
           <a:p>
-            <a:fld id="{51F206EC-1A64-4A9C-8D0F-110C9E4DC81F}" type="datetimeFigureOut">
+            <a:fld id="{01DA5AB5-1354-44CD-9E71-544D948D8207}" type="datetimeFigureOut">
               <a:rPr lang="zh-CN" altLang="en-US" smtClean="0"/>
               <a:t>2024/3/10</a:t>
             </a:fld>
@@ -1962,7 +1962,7 @@
           <p:cNvPr id="4" name="页脚占位符 3">
             <a:extLst>
               <a:ext uri="{FF2B5EF4-FFF2-40B4-BE49-F238E27FC236}">
-                <a16:creationId xmlns:a16="http://schemas.microsoft.com/office/drawing/2014/main" id="{EC3DE5F4-82E9-2ED3-1FC7-9B0CBCA33190}"/>
+                <a16:creationId xmlns:a16="http://schemas.microsoft.com/office/drawing/2014/main" id="{51091140-1A6D-D561-1EEF-A7BFCEDEBD4A}"/>
               </a:ext>
             </a:extLst>
           </p:cNvPr>
@@ -1987,7 +1987,7 @@
           <p:cNvPr id="5" name="灯片编号占位符 4">
             <a:extLst>
               <a:ext uri="{FF2B5EF4-FFF2-40B4-BE49-F238E27FC236}">
-                <a16:creationId xmlns:a16="http://schemas.microsoft.com/office/drawing/2014/main" id="{0F683F25-E4A3-AE7F-E56C-5CAF1D87468F}"/>
+                <a16:creationId xmlns:a16="http://schemas.microsoft.com/office/drawing/2014/main" id="{EBBA756C-F870-B276-3034-860323F9E894}"/>
               </a:ext>
             </a:extLst>
           </p:cNvPr>
@@ -2003,7 +2003,7 @@
           <a:bodyPr/>
           <a:lstStyle/>
           <a:p>
-            <a:fld id="{299A1E52-5D04-4BB3-A3BE-C2C06359BA5A}" type="slidenum">
+            <a:fld id="{81A35BBF-5CCF-4F97-AB40-7B29B9850388}" type="slidenum">
               <a:rPr lang="zh-CN" altLang="en-US" smtClean="0"/>
               <a:t>‹#›</a:t>
             </a:fld>
@@ -2014,7 +2014,7 @@
     </p:spTree>
     <p:extLst>
       <p:ext uri="{BB962C8B-B14F-4D97-AF65-F5344CB8AC3E}">
-        <p14:creationId xmlns:p14="http://schemas.microsoft.com/office/powerpoint/2010/main" val="1781054395"/>
+        <p14:creationId xmlns:p14="http://schemas.microsoft.com/office/powerpoint/2010/main" val="3290232325"/>
       </p:ext>
     </p:extLst>
   </p:cSld>
@@ -2046,7 +2046,7 @@
           <p:cNvPr id="2" name="日期占位符 1">
             <a:extLst>
               <a:ext uri="{FF2B5EF4-FFF2-40B4-BE49-F238E27FC236}">
-                <a16:creationId xmlns:a16="http://schemas.microsoft.com/office/drawing/2014/main" id="{B335E04A-7752-CFF7-06DE-A095A1BE5DD7}"/>
+                <a16:creationId xmlns:a16="http://schemas.microsoft.com/office/drawing/2014/main" id="{03199876-527D-C45F-0D29-DBA6A1521BD0}"/>
               </a:ext>
             </a:extLst>
           </p:cNvPr>
@@ -2062,7 +2062,7 @@
           <a:bodyPr/>
           <a:lstStyle/>
           <a:p>
-            <a:fld id="{51F206EC-1A64-4A9C-8D0F-110C9E4DC81F}" type="datetimeFigureOut">
+            <a:fld id="{01DA5AB5-1354-44CD-9E71-544D948D8207}" type="datetimeFigureOut">
               <a:rPr lang="zh-CN" altLang="en-US" smtClean="0"/>
               <a:t>2024/3/10</a:t>
             </a:fld>
@@ -2075,7 +2075,7 @@
           <p:cNvPr id="3" name="页脚占位符 2">
             <a:extLst>
               <a:ext uri="{FF2B5EF4-FFF2-40B4-BE49-F238E27FC236}">
-                <a16:creationId xmlns:a16="http://schemas.microsoft.com/office/drawing/2014/main" id="{F4352A2C-16CC-3B55-76F8-CADBDB0F4DED}"/>
+                <a16:creationId xmlns:a16="http://schemas.microsoft.com/office/drawing/2014/main" id="{2CA97A1A-726E-91ED-894A-F6BABAA7AA37}"/>
               </a:ext>
             </a:extLst>
           </p:cNvPr>
@@ -2100,7 +2100,7 @@
           <p:cNvPr id="4" name="灯片编号占位符 3">
             <a:extLst>
               <a:ext uri="{FF2B5EF4-FFF2-40B4-BE49-F238E27FC236}">
-                <a16:creationId xmlns:a16="http://schemas.microsoft.com/office/drawing/2014/main" id="{DAD8F203-29BE-4A2C-465C-99115AFE5CEE}"/>
+                <a16:creationId xmlns:a16="http://schemas.microsoft.com/office/drawing/2014/main" id="{4BC43FA0-5B65-1D38-41DB-DF7C3E50156C}"/>
               </a:ext>
             </a:extLst>
           </p:cNvPr>
@@ -2116,7 +2116,7 @@
           <a:bodyPr/>
           <a:lstStyle/>
           <a:p>
-            <a:fld id="{299A1E52-5D04-4BB3-A3BE-C2C06359BA5A}" type="slidenum">
+            <a:fld id="{81A35BBF-5CCF-4F97-AB40-7B29B9850388}" type="slidenum">
               <a:rPr lang="zh-CN" altLang="en-US" smtClean="0"/>
               <a:t>‹#›</a:t>
             </a:fld>
@@ -2127,7 +2127,7 @@
     </p:spTree>
     <p:extLst>
       <p:ext uri="{BB962C8B-B14F-4D97-AF65-F5344CB8AC3E}">
-        <p14:creationId xmlns:p14="http://schemas.microsoft.com/office/powerpoint/2010/main" val="4011250254"/>
+        <p14:creationId xmlns:p14="http://schemas.microsoft.com/office/powerpoint/2010/main" val="1205905260"/>
       </p:ext>
     </p:extLst>
   </p:cSld>
@@ -2159,7 +2159,7 @@
           <p:cNvPr id="2" name="标题 1">
             <a:extLst>
               <a:ext uri="{FF2B5EF4-FFF2-40B4-BE49-F238E27FC236}">
-                <a16:creationId xmlns:a16="http://schemas.microsoft.com/office/drawing/2014/main" id="{ED3DDBA5-2233-89B7-6213-8D08ABB02412}"/>
+                <a16:creationId xmlns:a16="http://schemas.microsoft.com/office/drawing/2014/main" id="{F4E8AB33-2DEC-B53F-D2BA-3055A1D170E6}"/>
               </a:ext>
             </a:extLst>
           </p:cNvPr>
@@ -2196,7 +2196,7 @@
           <p:cNvPr id="3" name="内容占位符 2">
             <a:extLst>
               <a:ext uri="{FF2B5EF4-FFF2-40B4-BE49-F238E27FC236}">
-                <a16:creationId xmlns:a16="http://schemas.microsoft.com/office/drawing/2014/main" id="{BD675128-8ACA-F888-673E-82A0EFA94C30}"/>
+                <a16:creationId xmlns:a16="http://schemas.microsoft.com/office/drawing/2014/main" id="{77ED90DB-F8EC-C06E-B878-02014247E819}"/>
               </a:ext>
             </a:extLst>
           </p:cNvPr>
@@ -2286,7 +2286,7 @@
           <p:cNvPr id="4" name="文本占位符 3">
             <a:extLst>
               <a:ext uri="{FF2B5EF4-FFF2-40B4-BE49-F238E27FC236}">
-                <a16:creationId xmlns:a16="http://schemas.microsoft.com/office/drawing/2014/main" id="{7C3F1C96-C1E5-4388-C9BA-3DA9DCD83EFD}"/>
+                <a16:creationId xmlns:a16="http://schemas.microsoft.com/office/drawing/2014/main" id="{F3EBB405-97B6-3E49-87F4-A6C3822FCE94}"/>
               </a:ext>
             </a:extLst>
           </p:cNvPr>
@@ -2357,7 +2357,7 @@
           <p:cNvPr id="5" name="日期占位符 4">
             <a:extLst>
               <a:ext uri="{FF2B5EF4-FFF2-40B4-BE49-F238E27FC236}">
-                <a16:creationId xmlns:a16="http://schemas.microsoft.com/office/drawing/2014/main" id="{EE54C13C-04B2-4356-F29C-7D8402F08332}"/>
+                <a16:creationId xmlns:a16="http://schemas.microsoft.com/office/drawing/2014/main" id="{DF25EDC6-062D-8F3B-7F78-28701D345C49}"/>
               </a:ext>
             </a:extLst>
           </p:cNvPr>
@@ -2373,7 +2373,7 @@
           <a:bodyPr/>
           <a:lstStyle/>
           <a:p>
-            <a:fld id="{51F206EC-1A64-4A9C-8D0F-110C9E4DC81F}" type="datetimeFigureOut">
+            <a:fld id="{01DA5AB5-1354-44CD-9E71-544D948D8207}" type="datetimeFigureOut">
               <a:rPr lang="zh-CN" altLang="en-US" smtClean="0"/>
               <a:t>2024/3/10</a:t>
             </a:fld>
@@ -2386,7 +2386,7 @@
           <p:cNvPr id="6" name="页脚占位符 5">
             <a:extLst>
               <a:ext uri="{FF2B5EF4-FFF2-40B4-BE49-F238E27FC236}">
-                <a16:creationId xmlns:a16="http://schemas.microsoft.com/office/drawing/2014/main" id="{CCF5346A-65DB-A108-F0E4-EDC5E90768DB}"/>
+                <a16:creationId xmlns:a16="http://schemas.microsoft.com/office/drawing/2014/main" id="{C24CB904-DD18-6B47-3362-EDF8751B30BC}"/>
               </a:ext>
             </a:extLst>
           </p:cNvPr>
@@ -2411,7 +2411,7 @@
           <p:cNvPr id="7" name="灯片编号占位符 6">
             <a:extLst>
               <a:ext uri="{FF2B5EF4-FFF2-40B4-BE49-F238E27FC236}">
-                <a16:creationId xmlns:a16="http://schemas.microsoft.com/office/drawing/2014/main" id="{6EFA326A-A218-0AC4-D163-6A578BE34A24}"/>
+                <a16:creationId xmlns:a16="http://schemas.microsoft.com/office/drawing/2014/main" id="{70253A40-B38D-5372-74F7-37714441F585}"/>
               </a:ext>
             </a:extLst>
           </p:cNvPr>
@@ -2427,7 +2427,7 @@
           <a:bodyPr/>
           <a:lstStyle/>
           <a:p>
-            <a:fld id="{299A1E52-5D04-4BB3-A3BE-C2C06359BA5A}" type="slidenum">
+            <a:fld id="{81A35BBF-5CCF-4F97-AB40-7B29B9850388}" type="slidenum">
               <a:rPr lang="zh-CN" altLang="en-US" smtClean="0"/>
               <a:t>‹#›</a:t>
             </a:fld>
@@ -2438,7 +2438,7 @@
     </p:spTree>
     <p:extLst>
       <p:ext uri="{BB962C8B-B14F-4D97-AF65-F5344CB8AC3E}">
-        <p14:creationId xmlns:p14="http://schemas.microsoft.com/office/powerpoint/2010/main" val="2289563375"/>
+        <p14:creationId xmlns:p14="http://schemas.microsoft.com/office/powerpoint/2010/main" val="1633341581"/>
       </p:ext>
     </p:extLst>
   </p:cSld>
@@ -2470,7 +2470,7 @@
           <p:cNvPr id="2" name="标题 1">
             <a:extLst>
               <a:ext uri="{FF2B5EF4-FFF2-40B4-BE49-F238E27FC236}">
-                <a16:creationId xmlns:a16="http://schemas.microsoft.com/office/drawing/2014/main" id="{3360AB46-6027-97B9-653E-F9A1DD7D961C}"/>
+                <a16:creationId xmlns:a16="http://schemas.microsoft.com/office/drawing/2014/main" id="{DA209ADC-57CE-BA9E-630D-A23E9F360213}"/>
               </a:ext>
             </a:extLst>
           </p:cNvPr>
@@ -2507,7 +2507,7 @@
           <p:cNvPr id="3" name="图片占位符 2">
             <a:extLst>
               <a:ext uri="{FF2B5EF4-FFF2-40B4-BE49-F238E27FC236}">
-                <a16:creationId xmlns:a16="http://schemas.microsoft.com/office/drawing/2014/main" id="{C20010BD-1F21-AA6D-2CAF-53D68FCDBCA8}"/>
+                <a16:creationId xmlns:a16="http://schemas.microsoft.com/office/drawing/2014/main" id="{71C543E7-590B-7751-23B1-41F9BDCC6117}"/>
               </a:ext>
             </a:extLst>
           </p:cNvPr>
@@ -2574,7 +2574,7 @@
           <p:cNvPr id="4" name="文本占位符 3">
             <a:extLst>
               <a:ext uri="{FF2B5EF4-FFF2-40B4-BE49-F238E27FC236}">
-                <a16:creationId xmlns:a16="http://schemas.microsoft.com/office/drawing/2014/main" id="{FC4B5603-5236-1C17-CFD9-33FB651A0D79}"/>
+                <a16:creationId xmlns:a16="http://schemas.microsoft.com/office/drawing/2014/main" id="{813F0637-8B32-9982-C380-20E016E8E37B}"/>
               </a:ext>
             </a:extLst>
           </p:cNvPr>
@@ -2645,7 +2645,7 @@
           <p:cNvPr id="5" name="日期占位符 4">
             <a:extLst>
               <a:ext uri="{FF2B5EF4-FFF2-40B4-BE49-F238E27FC236}">
-                <a16:creationId xmlns:a16="http://schemas.microsoft.com/office/drawing/2014/main" id="{312C8D85-284E-E151-DA78-648D6422D174}"/>
+                <a16:creationId xmlns:a16="http://schemas.microsoft.com/office/drawing/2014/main" id="{55859002-2ABF-AFC3-21E0-B76F8DF3CA35}"/>
               </a:ext>
             </a:extLst>
           </p:cNvPr>
@@ -2661,7 +2661,7 @@
           <a:bodyPr/>
           <a:lstStyle/>
           <a:p>
-            <a:fld id="{51F206EC-1A64-4A9C-8D0F-110C9E4DC81F}" type="datetimeFigureOut">
+            <a:fld id="{01DA5AB5-1354-44CD-9E71-544D948D8207}" type="datetimeFigureOut">
               <a:rPr lang="zh-CN" altLang="en-US" smtClean="0"/>
               <a:t>2024/3/10</a:t>
             </a:fld>
@@ -2674,7 +2674,7 @@
           <p:cNvPr id="6" name="页脚占位符 5">
             <a:extLst>
               <a:ext uri="{FF2B5EF4-FFF2-40B4-BE49-F238E27FC236}">
-                <a16:creationId xmlns:a16="http://schemas.microsoft.com/office/drawing/2014/main" id="{D18D6431-A7C0-BBA6-8602-EF71F930B782}"/>
+                <a16:creationId xmlns:a16="http://schemas.microsoft.com/office/drawing/2014/main" id="{9C742130-E8CA-B2B4-23BD-52DDE2D8CD7F}"/>
               </a:ext>
             </a:extLst>
           </p:cNvPr>
@@ -2699,7 +2699,7 @@
           <p:cNvPr id="7" name="灯片编号占位符 6">
             <a:extLst>
               <a:ext uri="{FF2B5EF4-FFF2-40B4-BE49-F238E27FC236}">
-                <a16:creationId xmlns:a16="http://schemas.microsoft.com/office/drawing/2014/main" id="{E1433ADC-BC0A-3B0E-C6AF-D6145D22BFA3}"/>
+                <a16:creationId xmlns:a16="http://schemas.microsoft.com/office/drawing/2014/main" id="{4D35C4B0-7305-91E1-7CCB-DF92B1EF3833}"/>
               </a:ext>
             </a:extLst>
           </p:cNvPr>
@@ -2715,7 +2715,7 @@
           <a:bodyPr/>
           <a:lstStyle/>
           <a:p>
-            <a:fld id="{299A1E52-5D04-4BB3-A3BE-C2C06359BA5A}" type="slidenum">
+            <a:fld id="{81A35BBF-5CCF-4F97-AB40-7B29B9850388}" type="slidenum">
               <a:rPr lang="zh-CN" altLang="en-US" smtClean="0"/>
               <a:t>‹#›</a:t>
             </a:fld>
@@ -2726,7 +2726,7 @@
     </p:spTree>
     <p:extLst>
       <p:ext uri="{BB962C8B-B14F-4D97-AF65-F5344CB8AC3E}">
-        <p14:creationId xmlns:p14="http://schemas.microsoft.com/office/powerpoint/2010/main" val="3529250818"/>
+        <p14:creationId xmlns:p14="http://schemas.microsoft.com/office/powerpoint/2010/main" val="3791731781"/>
       </p:ext>
     </p:extLst>
   </p:cSld>
@@ -2763,7 +2763,7 @@
           <p:cNvPr id="2" name="标题占位符 1">
             <a:extLst>
               <a:ext uri="{FF2B5EF4-FFF2-40B4-BE49-F238E27FC236}">
-                <a16:creationId xmlns:a16="http://schemas.microsoft.com/office/drawing/2014/main" id="{12507153-4B8B-5F26-E138-4BC6F270D25C}"/>
+                <a16:creationId xmlns:a16="http://schemas.microsoft.com/office/drawing/2014/main" id="{98D77535-C1ED-C38C-C700-B406C8393008}"/>
               </a:ext>
             </a:extLst>
           </p:cNvPr>
@@ -2801,7 +2801,7 @@
           <p:cNvPr id="3" name="文本占位符 2">
             <a:extLst>
               <a:ext uri="{FF2B5EF4-FFF2-40B4-BE49-F238E27FC236}">
-                <a16:creationId xmlns:a16="http://schemas.microsoft.com/office/drawing/2014/main" id="{44911F85-E9FC-EA43-A21E-7B23A51BD2CA}"/>
+                <a16:creationId xmlns:a16="http://schemas.microsoft.com/office/drawing/2014/main" id="{11FBBF2F-832C-5042-3CAC-4EC2347E75D6}"/>
               </a:ext>
             </a:extLst>
           </p:cNvPr>
@@ -2868,7 +2868,7 @@
           <p:cNvPr id="4" name="日期占位符 3">
             <a:extLst>
               <a:ext uri="{FF2B5EF4-FFF2-40B4-BE49-F238E27FC236}">
-                <a16:creationId xmlns:a16="http://schemas.microsoft.com/office/drawing/2014/main" id="{4EB480A7-F3E5-6B1B-82FE-0CF71B8EB9BB}"/>
+                <a16:creationId xmlns:a16="http://schemas.microsoft.com/office/drawing/2014/main" id="{0DE68E82-56BC-F9F9-901A-99C96FD5504C}"/>
               </a:ext>
             </a:extLst>
           </p:cNvPr>
@@ -2902,7 +2902,7 @@
             </a:lvl1pPr>
           </a:lstStyle>
           <a:p>
-            <a:fld id="{51F206EC-1A64-4A9C-8D0F-110C9E4DC81F}" type="datetimeFigureOut">
+            <a:fld id="{01DA5AB5-1354-44CD-9E71-544D948D8207}" type="datetimeFigureOut">
               <a:rPr lang="zh-CN" altLang="en-US" smtClean="0"/>
               <a:t>2024/3/10</a:t>
             </a:fld>
@@ -2915,7 +2915,7 @@
           <p:cNvPr id="5" name="页脚占位符 4">
             <a:extLst>
               <a:ext uri="{FF2B5EF4-FFF2-40B4-BE49-F238E27FC236}">
-                <a16:creationId xmlns:a16="http://schemas.microsoft.com/office/drawing/2014/main" id="{9A5593B6-BAE9-4C4D-7FC5-48DEA995A7BF}"/>
+                <a16:creationId xmlns:a16="http://schemas.microsoft.com/office/drawing/2014/main" id="{C67AFC26-1D9F-5AFF-3CD8-BE3E85CB5F3B}"/>
               </a:ext>
             </a:extLst>
           </p:cNvPr>
@@ -2958,7 +2958,7 @@
           <p:cNvPr id="6" name="灯片编号占位符 5">
             <a:extLst>
               <a:ext uri="{FF2B5EF4-FFF2-40B4-BE49-F238E27FC236}">
-                <a16:creationId xmlns:a16="http://schemas.microsoft.com/office/drawing/2014/main" id="{60973A68-3547-B856-73A5-3ACDB59023A7}"/>
+                <a16:creationId xmlns:a16="http://schemas.microsoft.com/office/drawing/2014/main" id="{046AEEF9-9C98-A642-D7C2-43CECA5E19FB}"/>
               </a:ext>
             </a:extLst>
           </p:cNvPr>
@@ -2992,7 +2992,7 @@
             </a:lvl1pPr>
           </a:lstStyle>
           <a:p>
-            <a:fld id="{299A1E52-5D04-4BB3-A3BE-C2C06359BA5A}" type="slidenum">
+            <a:fld id="{81A35BBF-5CCF-4F97-AB40-7B29B9850388}" type="slidenum">
               <a:rPr lang="zh-CN" altLang="en-US" smtClean="0"/>
               <a:t>‹#›</a:t>
             </a:fld>
@@ -3003,7 +3003,7 @@
     </p:spTree>
     <p:extLst>
       <p:ext uri="{BB962C8B-B14F-4D97-AF65-F5344CB8AC3E}">
-        <p14:creationId xmlns:p14="http://schemas.microsoft.com/office/powerpoint/2010/main" val="373486258"/>
+        <p14:creationId xmlns:p14="http://schemas.microsoft.com/office/powerpoint/2010/main" val="1559033667"/>
       </p:ext>
     </p:extLst>
   </p:cSld>
@@ -3323,7 +3323,7 @@
       </p:grpSpPr>
       <p:pic>
         <p:nvPicPr>
-          <p:cNvPr id="1075202" name="Picture 2" descr="1049"/>
+          <p:cNvPr id="1076226" name="Picture 2" descr="1050"/>
           <p:cNvPicPr>
             <a:picLocks noChangeAspect="1" noChangeArrowheads="1"/>
           </p:cNvPicPr>
@@ -3344,8 +3344,8 @@
         </p:blipFill>
         <p:spPr bwMode="auto">
           <a:xfrm>
-            <a:off x="1524001" y="0"/>
-            <a:ext cx="9053513" cy="6789738"/>
+            <a:off x="1524000" y="14288"/>
+            <a:ext cx="9124950" cy="6843712"/>
           </a:xfrm>
           <a:prstGeom prst="rect">
             <a:avLst/>
